--- a/SubSprint 1/TARJETAS MULTIPROPOSITO.pptx
+++ b/SubSprint 1/TARJETAS MULTIPROPOSITO.pptx
@@ -112,6 +112,11 @@
       </a:defRPr>
     </a:lvl9pPr>
   </p:defaultTextStyle>
+  <p:extLst>
+    <p:ext uri="{EFAFB233-063F-42B5-8137-9DF3F51BA10A}">
+      <p15:sldGuideLst xmlns:p15="http://schemas.microsoft.com/office/powerpoint/2012/main"/>
+    </p:ext>
+  </p:extLst>
 </p:presentation>
 </file>
 
@@ -6576,37 +6581,36 @@
           </a:p>
         </p:txBody>
       </p:sp>
-      <p:sp>
-        <p:nvSpPr>
-          <p:cNvPr id="3" name="Marcador de contenido 2"/>
-          <p:cNvSpPr>
-            <a:spLocks noGrp="1"/>
-          </p:cNvSpPr>
-          <p:nvPr>
-            <p:ph idx="1"/>
-          </p:nvPr>
-        </p:nvSpPr>
-        <p:spPr/>
-        <p:txBody>
-          <a:bodyPr/>
-          <a:lstStyle/>
-          <a:p>
-            <a:r>
-              <a:rPr lang="en-US" dirty="0" err="1" smtClean="0"/>
-              <a:t>Fotos</a:t>
-            </a:r>
-            <a:r>
-              <a:rPr lang="en-US" dirty="0" smtClean="0"/>
-              <a:t> </a:t>
-            </a:r>
-            <a:r>
-              <a:rPr lang="en-US" dirty="0" err="1" smtClean="0"/>
-              <a:t>github</a:t>
-            </a:r>
-            <a:endParaRPr lang="es-CO" dirty="0"/>
-          </a:p>
-        </p:txBody>
-      </p:sp>
+      <p:pic>
+        <p:nvPicPr>
+          <p:cNvPr id="5" name="Imagen 4"/>
+          <p:cNvPicPr>
+            <a:picLocks noChangeAspect="1"/>
+          </p:cNvPicPr>
+          <p:nvPr/>
+        </p:nvPicPr>
+        <p:blipFill>
+          <a:blip r:embed="rId2">
+            <a:extLst>
+              <a:ext uri="{28A0092B-C50C-407E-A947-70E740481C1C}">
+                <a14:useLocalDpi xmlns:a14="http://schemas.microsoft.com/office/drawing/2010/main" val="0"/>
+              </a:ext>
+            </a:extLst>
+          </a:blip>
+          <a:stretch>
+            <a:fillRect/>
+          </a:stretch>
+        </p:blipFill>
+        <p:spPr>
+          <a:xfrm>
+            <a:off x="535369" y="1238298"/>
+            <a:ext cx="7535735" cy="5619702"/>
+          </a:xfrm>
+          <a:prstGeom prst="rect">
+            <a:avLst/>
+          </a:prstGeom>
+        </p:spPr>
+      </p:pic>
     </p:spTree>
     <p:extLst>
       <p:ext uri="{BB962C8B-B14F-4D97-AF65-F5344CB8AC3E}">
@@ -6666,7 +6670,7 @@
             </a:r>
             <a:r>
               <a:rPr lang="en-US" dirty="0" smtClean="0"/>
-              <a:t> </a:t>
+              <a:t>, </a:t>
             </a:r>
             <a:r>
               <a:rPr lang="en-US" dirty="0" err="1" smtClean="0"/>
@@ -6688,25 +6692,65 @@
           </a:p>
         </p:txBody>
       </p:sp>
-      <p:sp>
-        <p:nvSpPr>
-          <p:cNvPr id="3" name="Marcador de contenido 2"/>
-          <p:cNvSpPr>
-            <a:spLocks noGrp="1"/>
-          </p:cNvSpPr>
+      <p:pic>
+        <p:nvPicPr>
+          <p:cNvPr id="4" name="Marcador de contenido 3"/>
+          <p:cNvPicPr>
+            <a:picLocks noGrp="1" noChangeAspect="1"/>
+          </p:cNvPicPr>
           <p:nvPr>
             <p:ph idx="1"/>
           </p:nvPr>
-        </p:nvSpPr>
-        <p:spPr/>
-        <p:txBody>
-          <a:bodyPr/>
-          <a:lstStyle/>
-          <a:p>
-            <a:endParaRPr lang="es-CO"/>
-          </a:p>
-        </p:txBody>
-      </p:sp>
+        </p:nvPicPr>
+        <p:blipFill>
+          <a:blip r:embed="rId2">
+            <a:extLst>
+              <a:ext uri="{28A0092B-C50C-407E-A947-70E740481C1C}">
+                <a14:useLocalDpi xmlns:a14="http://schemas.microsoft.com/office/drawing/2010/main" val="0"/>
+              </a:ext>
+            </a:extLst>
+          </a:blip>
+          <a:stretch>
+            <a:fillRect/>
+          </a:stretch>
+        </p:blipFill>
+        <p:spPr>
+          <a:xfrm>
+            <a:off x="528572" y="1930400"/>
+            <a:ext cx="5944430" cy="3524742"/>
+          </a:xfrm>
+        </p:spPr>
+      </p:pic>
+      <p:pic>
+        <p:nvPicPr>
+          <p:cNvPr id="5" name="Imagen 4"/>
+          <p:cNvPicPr>
+            <a:picLocks noChangeAspect="1"/>
+          </p:cNvPicPr>
+          <p:nvPr/>
+        </p:nvPicPr>
+        <p:blipFill>
+          <a:blip r:embed="rId3">
+            <a:extLst>
+              <a:ext uri="{28A0092B-C50C-407E-A947-70E740481C1C}">
+                <a14:useLocalDpi xmlns:a14="http://schemas.microsoft.com/office/drawing/2010/main" val="0"/>
+              </a:ext>
+            </a:extLst>
+          </a:blip>
+          <a:stretch>
+            <a:fillRect/>
+          </a:stretch>
+        </p:blipFill>
+        <p:spPr>
+          <a:xfrm rot="10800000">
+            <a:off x="6386078" y="2764536"/>
+            <a:ext cx="5124704" cy="3843528"/>
+          </a:xfrm>
+          <a:prstGeom prst="rect">
+            <a:avLst/>
+          </a:prstGeom>
+        </p:spPr>
+      </p:pic>
     </p:spTree>
     <p:extLst>
       <p:ext uri="{BB962C8B-B14F-4D97-AF65-F5344CB8AC3E}">
@@ -6819,7 +6863,6 @@
               <a:rPr lang="es-CO" dirty="0"/>
               <a:t>),</a:t>
             </a:r>
-            <a:endParaRPr lang="es-CO" dirty="0"/>
           </a:p>
         </p:txBody>
       </p:sp>
@@ -6899,7 +6942,126 @@
           <a:bodyPr/>
           <a:lstStyle/>
           <a:p>
-            <a:endParaRPr lang="es-CO"/>
+            <a:r>
+              <a:rPr lang="en-US" dirty="0" smtClean="0"/>
+              <a:t>Para la </a:t>
+            </a:r>
+            <a:r>
+              <a:rPr lang="en-US" dirty="0" err="1" smtClean="0"/>
+              <a:t>lectura</a:t>
+            </a:r>
+            <a:r>
+              <a:rPr lang="en-US" dirty="0" smtClean="0"/>
+              <a:t> de la </a:t>
+            </a:r>
+            <a:r>
+              <a:rPr lang="en-US" dirty="0" err="1" smtClean="0"/>
+              <a:t>tarjeta</a:t>
+            </a:r>
+            <a:r>
+              <a:rPr lang="en-US" dirty="0" smtClean="0"/>
+              <a:t> </a:t>
+            </a:r>
+            <a:r>
+              <a:rPr lang="en-US" dirty="0" err="1" smtClean="0"/>
+              <a:t>inteligente</a:t>
+            </a:r>
+            <a:r>
+              <a:rPr lang="en-US" dirty="0" smtClean="0"/>
+              <a:t> de el carnet de </a:t>
+            </a:r>
+            <a:r>
+              <a:rPr lang="en-US" dirty="0" err="1" smtClean="0"/>
+              <a:t>tipo</a:t>
+            </a:r>
+            <a:r>
+              <a:rPr lang="en-US" dirty="0" smtClean="0"/>
+              <a:t>  MIFARE_CLASSIC_1K se </a:t>
+            </a:r>
+            <a:r>
+              <a:rPr lang="en-US" dirty="0" err="1" smtClean="0"/>
+              <a:t>realizaron</a:t>
+            </a:r>
+            <a:r>
+              <a:rPr lang="en-US" dirty="0" smtClean="0"/>
+              <a:t> </a:t>
+            </a:r>
+            <a:r>
+              <a:rPr lang="en-US" dirty="0" err="1" smtClean="0"/>
+              <a:t>las</a:t>
+            </a:r>
+            <a:r>
+              <a:rPr lang="en-US" dirty="0" smtClean="0"/>
+              <a:t> </a:t>
+            </a:r>
+            <a:r>
+              <a:rPr lang="en-US" dirty="0" err="1" smtClean="0"/>
+              <a:t>pruebas</a:t>
+            </a:r>
+            <a:r>
+              <a:rPr lang="en-US" dirty="0" smtClean="0"/>
+              <a:t> en:</a:t>
+            </a:r>
+          </a:p>
+          <a:p>
+            <a:pPr lvl="1"/>
+            <a:r>
+              <a:rPr lang="en-US" dirty="0" smtClean="0"/>
+              <a:t> LG e970,</a:t>
+            </a:r>
+          </a:p>
+          <a:p>
+            <a:pPr lvl="1"/>
+            <a:r>
+              <a:rPr lang="en-US" dirty="0" smtClean="0"/>
+              <a:t>LG </a:t>
+            </a:r>
+            <a:r>
+              <a:rPr lang="en-US" dirty="0" smtClean="0"/>
+              <a:t>e973</a:t>
+            </a:r>
+          </a:p>
+          <a:p>
+            <a:pPr lvl="1"/>
+            <a:r>
+              <a:rPr lang="en-US" dirty="0" smtClean="0"/>
+              <a:t>LG </a:t>
+            </a:r>
+            <a:r>
+              <a:rPr lang="en-US" dirty="0" smtClean="0"/>
+              <a:t>l7</a:t>
+            </a:r>
+          </a:p>
+          <a:p>
+            <a:pPr lvl="1"/>
+            <a:r>
+              <a:rPr lang="en-US" dirty="0" smtClean="0"/>
+              <a:t>Sony </a:t>
+            </a:r>
+            <a:r>
+              <a:rPr lang="en-US" dirty="0" err="1" smtClean="0"/>
+              <a:t>Xperia</a:t>
+            </a:r>
+            <a:r>
+              <a:rPr lang="en-US" dirty="0" smtClean="0"/>
+              <a:t> P</a:t>
+            </a:r>
+          </a:p>
+          <a:p>
+            <a:pPr lvl="1"/>
+            <a:r>
+              <a:rPr lang="en-US" dirty="0" smtClean="0"/>
+              <a:t>Sony </a:t>
+            </a:r>
+            <a:r>
+              <a:rPr lang="en-US" dirty="0" err="1" smtClean="0"/>
+              <a:t>Xperia</a:t>
+            </a:r>
+            <a:r>
+              <a:rPr lang="en-US" dirty="0" smtClean="0"/>
+              <a:t> S</a:t>
+            </a:r>
+            <a:endParaRPr lang="es-CO" dirty="0"/>
           </a:p>
         </p:txBody>
       </p:sp>
